--- a/app-sketch.pptx
+++ b/app-sketch.pptx
@@ -7,6 +7,7 @@
   <p:sldIdLst>
     <p:sldId id="256" r:id="rId2"/>
     <p:sldId id="257" r:id="rId3"/>
+    <p:sldId id="258" r:id="rId4"/>
   </p:sldIdLst>
   <p:sldSz cx="12192000" cy="6858000"/>
   <p:notesSz cx="6858000" cy="9144000"/>
@@ -262,7 +263,7 @@
           <a:p>
             <a:fld id="{71908397-9EAD-A04D-9125-68F2750F228F}" type="datetimeFigureOut">
               <a:rPr lang="en-IL" smtClean="0"/>
-              <a:t>15/08/2022</a:t>
+              <a:t>22/08/2022</a:t>
             </a:fld>
             <a:endParaRPr lang="en-IL"/>
           </a:p>
@@ -462,7 +463,7 @@
           <a:p>
             <a:fld id="{71908397-9EAD-A04D-9125-68F2750F228F}" type="datetimeFigureOut">
               <a:rPr lang="en-IL" smtClean="0"/>
-              <a:t>15/08/2022</a:t>
+              <a:t>22/08/2022</a:t>
             </a:fld>
             <a:endParaRPr lang="en-IL"/>
           </a:p>
@@ -672,7 +673,7 @@
           <a:p>
             <a:fld id="{71908397-9EAD-A04D-9125-68F2750F228F}" type="datetimeFigureOut">
               <a:rPr lang="en-IL" smtClean="0"/>
-              <a:t>15/08/2022</a:t>
+              <a:t>22/08/2022</a:t>
             </a:fld>
             <a:endParaRPr lang="en-IL"/>
           </a:p>
@@ -872,7 +873,7 @@
           <a:p>
             <a:fld id="{71908397-9EAD-A04D-9125-68F2750F228F}" type="datetimeFigureOut">
               <a:rPr lang="en-IL" smtClean="0"/>
-              <a:t>15/08/2022</a:t>
+              <a:t>22/08/2022</a:t>
             </a:fld>
             <a:endParaRPr lang="en-IL"/>
           </a:p>
@@ -1148,7 +1149,7 @@
           <a:p>
             <a:fld id="{71908397-9EAD-A04D-9125-68F2750F228F}" type="datetimeFigureOut">
               <a:rPr lang="en-IL" smtClean="0"/>
-              <a:t>15/08/2022</a:t>
+              <a:t>22/08/2022</a:t>
             </a:fld>
             <a:endParaRPr lang="en-IL"/>
           </a:p>
@@ -1416,7 +1417,7 @@
           <a:p>
             <a:fld id="{71908397-9EAD-A04D-9125-68F2750F228F}" type="datetimeFigureOut">
               <a:rPr lang="en-IL" smtClean="0"/>
-              <a:t>15/08/2022</a:t>
+              <a:t>22/08/2022</a:t>
             </a:fld>
             <a:endParaRPr lang="en-IL"/>
           </a:p>
@@ -1831,7 +1832,7 @@
           <a:p>
             <a:fld id="{71908397-9EAD-A04D-9125-68F2750F228F}" type="datetimeFigureOut">
               <a:rPr lang="en-IL" smtClean="0"/>
-              <a:t>15/08/2022</a:t>
+              <a:t>22/08/2022</a:t>
             </a:fld>
             <a:endParaRPr lang="en-IL"/>
           </a:p>
@@ -1973,7 +1974,7 @@
           <a:p>
             <a:fld id="{71908397-9EAD-A04D-9125-68F2750F228F}" type="datetimeFigureOut">
               <a:rPr lang="en-IL" smtClean="0"/>
-              <a:t>15/08/2022</a:t>
+              <a:t>22/08/2022</a:t>
             </a:fld>
             <a:endParaRPr lang="en-IL"/>
           </a:p>
@@ -2086,7 +2087,7 @@
           <a:p>
             <a:fld id="{71908397-9EAD-A04D-9125-68F2750F228F}" type="datetimeFigureOut">
               <a:rPr lang="en-IL" smtClean="0"/>
-              <a:t>15/08/2022</a:t>
+              <a:t>22/08/2022</a:t>
             </a:fld>
             <a:endParaRPr lang="en-IL"/>
           </a:p>
@@ -2399,7 +2400,7 @@
           <a:p>
             <a:fld id="{71908397-9EAD-A04D-9125-68F2750F228F}" type="datetimeFigureOut">
               <a:rPr lang="en-IL" smtClean="0"/>
-              <a:t>15/08/2022</a:t>
+              <a:t>22/08/2022</a:t>
             </a:fld>
             <a:endParaRPr lang="en-IL"/>
           </a:p>
@@ -2688,7 +2689,7 @@
           <a:p>
             <a:fld id="{71908397-9EAD-A04D-9125-68F2750F228F}" type="datetimeFigureOut">
               <a:rPr lang="en-IL" smtClean="0"/>
-              <a:t>15/08/2022</a:t>
+              <a:t>22/08/2022</a:t>
             </a:fld>
             <a:endParaRPr lang="en-IL"/>
           </a:p>
@@ -2931,7 +2932,7 @@
           <a:p>
             <a:fld id="{71908397-9EAD-A04D-9125-68F2750F228F}" type="datetimeFigureOut">
               <a:rPr lang="en-IL" smtClean="0"/>
-              <a:t>15/08/2022</a:t>
+              <a:t>22/08/2022</a:t>
             </a:fld>
             <a:endParaRPr lang="en-IL"/>
           </a:p>
@@ -3865,6 +3866,173 @@
 </p:sld>
 </file>
 
+<file path=ppt/slides/slide3.xml><?xml version="1.0" encoding="utf-8"?>
+<p:sld xmlns:a="http://schemas.openxmlformats.org/drawingml/2006/main" xmlns:r="http://schemas.openxmlformats.org/officeDocument/2006/relationships" xmlns:p="http://schemas.openxmlformats.org/presentationml/2006/main">
+  <p:cSld>
+    <p:spTree>
+      <p:nvGrpSpPr>
+        <p:cNvPr id="1" name=""/>
+        <p:cNvGrpSpPr/>
+        <p:nvPr/>
+      </p:nvGrpSpPr>
+      <p:grpSpPr>
+        <a:xfrm>
+          <a:off x="0" y="0"/>
+          <a:ext cx="0" cy="0"/>
+          <a:chOff x="0" y="0"/>
+          <a:chExt cx="0" cy="0"/>
+        </a:xfrm>
+      </p:grpSpPr>
+      <p:sp>
+        <p:nvSpPr>
+          <p:cNvPr id="4" name="Rectangle 3">
+            <a:extLst>
+              <a:ext uri="{FF2B5EF4-FFF2-40B4-BE49-F238E27FC236}">
+                <a16:creationId xmlns:a16="http://schemas.microsoft.com/office/drawing/2014/main" id="{1F89224B-C41F-3A45-9320-E538CB963681}"/>
+              </a:ext>
+            </a:extLst>
+          </p:cNvPr>
+          <p:cNvSpPr/>
+          <p:nvPr/>
+        </p:nvSpPr>
+        <p:spPr>
+          <a:xfrm>
+            <a:off x="0" y="0"/>
+            <a:ext cx="12192000" cy="481263"/>
+          </a:xfrm>
+          <a:prstGeom prst="rect">
+            <a:avLst/>
+          </a:prstGeom>
+        </p:spPr>
+        <p:style>
+          <a:lnRef idx="2">
+            <a:schemeClr val="accent1">
+              <a:shade val="50000"/>
+            </a:schemeClr>
+          </a:lnRef>
+          <a:fillRef idx="1">
+            <a:schemeClr val="accent1"/>
+          </a:fillRef>
+          <a:effectRef idx="0">
+            <a:schemeClr val="accent1"/>
+          </a:effectRef>
+          <a:fontRef idx="minor">
+            <a:schemeClr val="lt1"/>
+          </a:fontRef>
+        </p:style>
+        <p:txBody>
+          <a:bodyPr rtlCol="0" anchor="ctr"/>
+          <a:lstStyle/>
+          <a:p>
+            <a:pPr algn="ctr"/>
+            <a:r>
+              <a:rPr lang="en-IL" dirty="0"/>
+              <a:t>ReadPost page</a:t>
+            </a:r>
+          </a:p>
+        </p:txBody>
+      </p:sp>
+      <p:sp>
+        <p:nvSpPr>
+          <p:cNvPr id="6" name="TextBox 5">
+            <a:extLst>
+              <a:ext uri="{FF2B5EF4-FFF2-40B4-BE49-F238E27FC236}">
+                <a16:creationId xmlns:a16="http://schemas.microsoft.com/office/drawing/2014/main" id="{93E94D3B-6EEF-ED4C-A9F5-8D1325ECAD40}"/>
+              </a:ext>
+            </a:extLst>
+          </p:cNvPr>
+          <p:cNvSpPr txBox="1"/>
+          <p:nvPr/>
+        </p:nvSpPr>
+        <p:spPr>
+          <a:xfrm>
+            <a:off x="5731468" y="794085"/>
+            <a:ext cx="729064" cy="461665"/>
+          </a:xfrm>
+          <a:prstGeom prst="rect">
+            <a:avLst/>
+          </a:prstGeom>
+          <a:noFill/>
+        </p:spPr>
+        <p:txBody>
+          <a:bodyPr wrap="square" rtlCol="0">
+            <a:spAutoFit/>
+          </a:bodyPr>
+          <a:lstStyle/>
+          <a:p>
+            <a:r>
+              <a:rPr lang="en-IL" sz="2400" dirty="0"/>
+              <a:t>title</a:t>
+            </a:r>
+          </a:p>
+        </p:txBody>
+      </p:sp>
+      <p:sp>
+        <p:nvSpPr>
+          <p:cNvPr id="7" name="Rectangle 6">
+            <a:extLst>
+              <a:ext uri="{FF2B5EF4-FFF2-40B4-BE49-F238E27FC236}">
+                <a16:creationId xmlns:a16="http://schemas.microsoft.com/office/drawing/2014/main" id="{114C7117-4AF5-6A40-9FD3-97E62F779ADC}"/>
+              </a:ext>
+            </a:extLst>
+          </p:cNvPr>
+          <p:cNvSpPr/>
+          <p:nvPr/>
+        </p:nvSpPr>
+        <p:spPr>
+          <a:xfrm>
+            <a:off x="782053" y="1467853"/>
+            <a:ext cx="10443410" cy="4295273"/>
+          </a:xfrm>
+          <a:prstGeom prst="rect">
+            <a:avLst/>
+          </a:prstGeom>
+        </p:spPr>
+        <p:style>
+          <a:lnRef idx="2">
+            <a:schemeClr val="accent1">
+              <a:shade val="50000"/>
+            </a:schemeClr>
+          </a:lnRef>
+          <a:fillRef idx="1">
+            <a:schemeClr val="accent1"/>
+          </a:fillRef>
+          <a:effectRef idx="0">
+            <a:schemeClr val="accent1"/>
+          </a:effectRef>
+          <a:fontRef idx="minor">
+            <a:schemeClr val="lt1"/>
+          </a:fontRef>
+        </p:style>
+        <p:txBody>
+          <a:bodyPr rtlCol="0" anchor="ctr"/>
+          <a:lstStyle/>
+          <a:p>
+            <a:pPr algn="ctr"/>
+            <a:r>
+              <a:rPr lang="en-US" dirty="0"/>
+              <a:t>P</a:t>
+            </a:r>
+            <a:r>
+              <a:rPr lang="en-IL" dirty="0"/>
+              <a:t>ost body</a:t>
+            </a:r>
+          </a:p>
+        </p:txBody>
+      </p:sp>
+    </p:spTree>
+    <p:extLst>
+      <p:ext uri="{BB962C8B-B14F-4D97-AF65-F5344CB8AC3E}">
+        <p14:creationId xmlns:p14="http://schemas.microsoft.com/office/powerpoint/2010/main" val="3073958956"/>
+      </p:ext>
+    </p:extLst>
+  </p:cSld>
+  <p:clrMapOvr>
+    <a:masterClrMapping/>
+  </p:clrMapOvr>
+</p:sld>
+</file>
+
 <file path=ppt/theme/theme1.xml><?xml version="1.0" encoding="utf-8"?>
 <a:theme xmlns:a="http://schemas.openxmlformats.org/drawingml/2006/main" name="Office Theme">
   <a:themeElements>
